--- a/presentation.pptx
+++ b/presentation.pptx
@@ -6,8 +6,11 @@
   </p:sldMasterIdLst>
   <p:sldIdLst>
     <p:sldId id="258" r:id="rId2"/>
-    <p:sldId id="257" r:id="rId3"/>
-    <p:sldId id="256" r:id="rId4"/>
+    <p:sldId id="261" r:id="rId3"/>
+    <p:sldId id="257" r:id="rId4"/>
+    <p:sldId id="256" r:id="rId5"/>
+    <p:sldId id="260" r:id="rId6"/>
+    <p:sldId id="259" r:id="rId7"/>
   </p:sldIdLst>
   <p:sldSz cx="12192000" cy="6858000"/>
   <p:notesSz cx="6858000" cy="9144000"/>
@@ -3033,6 +3036,307 @@
           <a:chExt cx="0" cy="0"/>
         </a:xfrm>
       </p:grpSpPr>
+      <p:pic>
+        <p:nvPicPr>
+          <p:cNvPr id="2" name="Picture 1"/>
+          <p:cNvPicPr>
+            <a:picLocks noChangeAspect="1"/>
+          </p:cNvPicPr>
+          <p:nvPr/>
+        </p:nvPicPr>
+        <p:blipFill>
+          <a:blip r:embed="rId2" cstate="print">
+            <a:extLst>
+              <a:ext uri="{28A0092B-C50C-407E-A947-70E740481C1C}">
+                <a14:useLocalDpi xmlns:a14="http://schemas.microsoft.com/office/drawing/2010/main" val="0"/>
+              </a:ext>
+            </a:extLst>
+          </a:blip>
+          <a:stretch>
+            <a:fillRect/>
+          </a:stretch>
+        </p:blipFill>
+        <p:spPr>
+          <a:xfrm>
+            <a:off x="9615055" y="6153511"/>
+            <a:ext cx="2576945" cy="704489"/>
+          </a:xfrm>
+          <a:prstGeom prst="rect">
+            <a:avLst/>
+          </a:prstGeom>
+        </p:spPr>
+      </p:pic>
+      <p:sp>
+        <p:nvSpPr>
+          <p:cNvPr id="3" name="TextBox 2"/>
+          <p:cNvSpPr txBox="1"/>
+          <p:nvPr/>
+        </p:nvSpPr>
+        <p:spPr>
+          <a:xfrm>
+            <a:off x="3119742" y="-67565"/>
+            <a:ext cx="5952527" cy="923330"/>
+          </a:xfrm>
+          <a:prstGeom prst="rect">
+            <a:avLst/>
+          </a:prstGeom>
+          <a:noFill/>
+        </p:spPr>
+        <p:txBody>
+          <a:bodyPr wrap="none" rtlCol="0">
+            <a:spAutoFit/>
+          </a:bodyPr>
+          <a:lstStyle/>
+          <a:p>
+            <a:pPr algn="ctr"/>
+            <a:r>
+              <a:rPr lang="en-US" sz="5400" dirty="0" smtClean="0">
+                <a:solidFill>
+                  <a:schemeClr val="accent1">
+                    <a:lumMod val="75000"/>
+                  </a:schemeClr>
+                </a:solidFill>
+              </a:rPr>
+              <a:t>The </a:t>
+            </a:r>
+            <a:r>
+              <a:rPr lang="en-US" sz="5400" dirty="0" err="1" smtClean="0">
+                <a:solidFill>
+                  <a:schemeClr val="accent1">
+                    <a:lumMod val="75000"/>
+                  </a:schemeClr>
+                </a:solidFill>
+              </a:rPr>
+              <a:t>DuckWeb</a:t>
+            </a:r>
+            <a:r>
+              <a:rPr lang="en-US" sz="5400" dirty="0" smtClean="0">
+                <a:solidFill>
+                  <a:schemeClr val="accent1">
+                    <a:lumMod val="75000"/>
+                  </a:schemeClr>
+                </a:solidFill>
+              </a:rPr>
+              <a:t> Vision</a:t>
+            </a:r>
+            <a:endParaRPr lang="en-US" sz="5400" dirty="0">
+              <a:solidFill>
+                <a:schemeClr val="accent1">
+                  <a:lumMod val="75000"/>
+                </a:schemeClr>
+              </a:solidFill>
+            </a:endParaRPr>
+          </a:p>
+        </p:txBody>
+      </p:sp>
+      <p:grpSp>
+        <p:nvGrpSpPr>
+          <p:cNvPr id="8" name="Group 7"/>
+          <p:cNvGrpSpPr/>
+          <p:nvPr/>
+        </p:nvGrpSpPr>
+        <p:grpSpPr>
+          <a:xfrm>
+            <a:off x="502393" y="1523842"/>
+            <a:ext cx="10962168" cy="3268062"/>
+            <a:chOff x="699976" y="1499191"/>
+            <a:chExt cx="10962168" cy="3268062"/>
+          </a:xfrm>
+        </p:grpSpPr>
+        <p:sp>
+          <p:nvSpPr>
+            <p:cNvPr id="4" name="TextBox 3"/>
+            <p:cNvSpPr txBox="1"/>
+            <p:nvPr/>
+          </p:nvSpPr>
+          <p:spPr>
+            <a:xfrm>
+              <a:off x="4100403" y="1778126"/>
+              <a:ext cx="7561741" cy="2308324"/>
+            </a:xfrm>
+            <a:prstGeom prst="rect">
+              <a:avLst/>
+            </a:prstGeom>
+            <a:noFill/>
+          </p:spPr>
+          <p:txBody>
+            <a:bodyPr wrap="square" rtlCol="0">
+              <a:spAutoFit/>
+            </a:bodyPr>
+            <a:lstStyle/>
+            <a:p>
+              <a:r>
+                <a:rPr lang="en-US" sz="3600" dirty="0" smtClean="0">
+                  <a:latin typeface="Bookman Old Style" panose="02050604050505020204" pitchFamily="18" charset="0"/>
+                </a:rPr>
+                <a:t>“To allow small website owners to leverage the combined power of similar small servers to better distribute their content”</a:t>
+              </a:r>
+              <a:endParaRPr lang="en-US" sz="3600" dirty="0">
+                <a:latin typeface="Bookman Old Style" panose="02050604050505020204" pitchFamily="18" charset="0"/>
+              </a:endParaRPr>
+            </a:p>
+          </p:txBody>
+        </p:sp>
+        <p:cxnSp>
+          <p:nvCxnSpPr>
+            <p:cNvPr id="6" name="Straight Connector 5"/>
+            <p:cNvCxnSpPr/>
+            <p:nvPr/>
+          </p:nvCxnSpPr>
+          <p:spPr>
+            <a:xfrm>
+              <a:off x="699976" y="1499191"/>
+              <a:ext cx="10962168" cy="0"/>
+            </a:xfrm>
+            <a:prstGeom prst="line">
+              <a:avLst/>
+            </a:prstGeom>
+          </p:spPr>
+          <p:style>
+            <a:lnRef idx="1">
+              <a:schemeClr val="accent1"/>
+            </a:lnRef>
+            <a:fillRef idx="0">
+              <a:schemeClr val="accent1"/>
+            </a:fillRef>
+            <a:effectRef idx="0">
+              <a:schemeClr val="accent1"/>
+            </a:effectRef>
+            <a:fontRef idx="minor">
+              <a:schemeClr val="tx1"/>
+            </a:fontRef>
+          </p:style>
+        </p:cxnSp>
+        <p:cxnSp>
+          <p:nvCxnSpPr>
+            <p:cNvPr id="7" name="Straight Connector 6"/>
+            <p:cNvCxnSpPr/>
+            <p:nvPr/>
+          </p:nvCxnSpPr>
+          <p:spPr>
+            <a:xfrm>
+              <a:off x="699976" y="4767253"/>
+              <a:ext cx="10962168" cy="0"/>
+            </a:xfrm>
+            <a:prstGeom prst="line">
+              <a:avLst/>
+            </a:prstGeom>
+          </p:spPr>
+          <p:style>
+            <a:lnRef idx="1">
+              <a:schemeClr val="accent1"/>
+            </a:lnRef>
+            <a:fillRef idx="0">
+              <a:schemeClr val="accent1"/>
+            </a:fillRef>
+            <a:effectRef idx="0">
+              <a:schemeClr val="accent1"/>
+            </a:effectRef>
+            <a:fontRef idx="minor">
+              <a:schemeClr val="tx1"/>
+            </a:fontRef>
+          </p:style>
+        </p:cxnSp>
+      </p:grpSp>
+      <p:sp>
+        <p:nvSpPr>
+          <p:cNvPr id="9" name="AutoShape 2" descr="Image result for flying duck drawing"/>
+          <p:cNvSpPr>
+            <a:spLocks noChangeAspect="1" noChangeArrowheads="1"/>
+          </p:cNvSpPr>
+          <p:nvPr/>
+        </p:nvSpPr>
+        <p:spPr bwMode="auto">
+          <a:xfrm>
+            <a:off x="155575" y="-144463"/>
+            <a:ext cx="1668300" cy="1668305"/>
+          </a:xfrm>
+          <a:prstGeom prst="rect">
+            <a:avLst/>
+          </a:prstGeom>
+          <a:noFill/>
+          <a:extLst>
+            <a:ext uri="{909E8E84-426E-40DD-AFC4-6F175D3DCCD1}">
+              <a14:hiddenFill xmlns:a14="http://schemas.microsoft.com/office/drawing/2010/main">
+                <a:solidFill>
+                  <a:srgbClr val="FFFFFF"/>
+                </a:solidFill>
+              </a14:hiddenFill>
+            </a:ext>
+          </a:extLst>
+        </p:spPr>
+        <p:txBody>
+          <a:bodyPr vert="horz" wrap="square" lIns="91440" tIns="45720" rIns="91440" bIns="45720" numCol="1" anchor="t" anchorCtr="0" compatLnSpc="1">
+            <a:prstTxWarp prst="textNoShape">
+              <a:avLst/>
+            </a:prstTxWarp>
+          </a:bodyPr>
+          <a:lstStyle/>
+          <a:p>
+            <a:endParaRPr lang="en-US"/>
+          </a:p>
+        </p:txBody>
+      </p:sp>
+      <p:pic>
+        <p:nvPicPr>
+          <p:cNvPr id="10" name="Picture 9"/>
+          <p:cNvPicPr>
+            <a:picLocks noChangeAspect="1"/>
+          </p:cNvPicPr>
+          <p:nvPr/>
+        </p:nvPicPr>
+        <p:blipFill rotWithShape="1">
+          <a:blip r:embed="rId3"/>
+          <a:srcRect b="10201"/>
+          <a:stretch/>
+        </p:blipFill>
+        <p:spPr>
+          <a:xfrm>
+            <a:off x="459861" y="1686397"/>
+            <a:ext cx="3142585" cy="3044131"/>
+          </a:xfrm>
+          <a:prstGeom prst="rect">
+            <a:avLst/>
+          </a:prstGeom>
+        </p:spPr>
+      </p:pic>
+    </p:spTree>
+    <p:extLst>
+      <p:ext uri="{BB962C8B-B14F-4D97-AF65-F5344CB8AC3E}">
+        <p14:creationId xmlns:p14="http://schemas.microsoft.com/office/powerpoint/2010/main" val="3969904350"/>
+      </p:ext>
+    </p:extLst>
+  </p:cSld>
+  <p:clrMapOvr>
+    <a:masterClrMapping/>
+  </p:clrMapOvr>
+  <p:timing>
+    <p:tnLst>
+      <p:par>
+        <p:cTn id="1" dur="indefinite" restart="never" nodeType="tmRoot"/>
+      </p:par>
+    </p:tnLst>
+  </p:timing>
+</p:sld>
+</file>
+
+<file path=ppt/slides/slide3.xml><?xml version="1.0" encoding="utf-8"?>
+<p:sld xmlns:a="http://schemas.openxmlformats.org/drawingml/2006/main" xmlns:r="http://schemas.openxmlformats.org/officeDocument/2006/relationships" xmlns:p="http://schemas.openxmlformats.org/presentationml/2006/main">
+  <p:cSld>
+    <p:spTree>
+      <p:nvGrpSpPr>
+        <p:cNvPr id="1" name=""/>
+        <p:cNvGrpSpPr/>
+        <p:nvPr/>
+      </p:nvGrpSpPr>
+      <p:grpSpPr>
+        <a:xfrm>
+          <a:off x="0" y="0"/>
+          <a:ext cx="0" cy="0"/>
+          <a:chOff x="0" y="0"/>
+          <a:chExt cx="0" cy="0"/>
+        </a:xfrm>
+      </p:grpSpPr>
       <p:cxnSp>
         <p:nvCxnSpPr>
           <p:cNvPr id="38" name="Straight Connector 37"/>
@@ -3553,7 +3857,7 @@
 </p:sld>
 </file>
 
-<file path=ppt/slides/slide3.xml><?xml version="1.0" encoding="utf-8"?>
+<file path=ppt/slides/slide4.xml><?xml version="1.0" encoding="utf-8"?>
 <p:sld xmlns:a="http://schemas.openxmlformats.org/drawingml/2006/main" xmlns:r="http://schemas.openxmlformats.org/officeDocument/2006/relationships" xmlns:p="http://schemas.openxmlformats.org/presentationml/2006/main">
   <p:cSld>
     <p:spTree>
@@ -5046,10 +5350,912 @@
           </a:p>
         </p:txBody>
       </p:sp>
+      <p:sp>
+        <p:nvSpPr>
+          <p:cNvPr id="77" name="Rounded Rectangle 76"/>
+          <p:cNvSpPr/>
+          <p:nvPr/>
+        </p:nvSpPr>
+        <p:spPr>
+          <a:xfrm>
+            <a:off x="8775393" y="986271"/>
+            <a:ext cx="3309164" cy="1394832"/>
+          </a:xfrm>
+          <a:prstGeom prst="roundRect">
+            <a:avLst>
+              <a:gd name="adj" fmla="val 5669"/>
+            </a:avLst>
+          </a:prstGeom>
+          <a:solidFill>
+            <a:schemeClr val="bg1"/>
+          </a:solidFill>
+        </p:spPr>
+        <p:style>
+          <a:lnRef idx="2">
+            <a:schemeClr val="accent1">
+              <a:shade val="50000"/>
+            </a:schemeClr>
+          </a:lnRef>
+          <a:fillRef idx="1">
+            <a:schemeClr val="accent1"/>
+          </a:fillRef>
+          <a:effectRef idx="0">
+            <a:schemeClr val="accent1"/>
+          </a:effectRef>
+          <a:fontRef idx="minor">
+            <a:schemeClr val="lt1"/>
+          </a:fontRef>
+        </p:style>
+        <p:txBody>
+          <a:bodyPr rtlCol="0" anchor="t"/>
+          <a:lstStyle/>
+          <a:p>
+            <a:r>
+              <a:rPr lang="en-US" sz="2000" dirty="0" smtClean="0">
+                <a:solidFill>
+                  <a:schemeClr val="accent1">
+                    <a:lumMod val="75000"/>
+                  </a:schemeClr>
+                </a:solidFill>
+              </a:rPr>
+              <a:t>Client</a:t>
+            </a:r>
+          </a:p>
+          <a:p>
+            <a:pPr marL="571500" indent="-571500">
+              <a:buFontTx/>
+              <a:buChar char="-"/>
+            </a:pPr>
+            <a:r>
+              <a:rPr lang="en-US" sz="2000" dirty="0" smtClean="0">
+                <a:solidFill>
+                  <a:schemeClr val="accent1">
+                    <a:lumMod val="75000"/>
+                  </a:schemeClr>
+                </a:solidFill>
+              </a:rPr>
+              <a:t>Runs on all browsers</a:t>
+            </a:r>
+          </a:p>
+          <a:p>
+            <a:pPr marL="571500" indent="-571500">
+              <a:buFontTx/>
+              <a:buChar char="-"/>
+            </a:pPr>
+            <a:r>
+              <a:rPr lang="en-US" sz="2000" dirty="0" smtClean="0">
+                <a:solidFill>
+                  <a:schemeClr val="accent1">
+                    <a:lumMod val="75000"/>
+                  </a:schemeClr>
+                </a:solidFill>
+              </a:rPr>
+              <a:t>Completely transparent</a:t>
+            </a:r>
+          </a:p>
+          <a:p>
+            <a:pPr marL="571500" indent="-571500">
+              <a:buFontTx/>
+              <a:buChar char="-"/>
+            </a:pPr>
+            <a:r>
+              <a:rPr lang="en-US" sz="2000" dirty="0" smtClean="0">
+                <a:solidFill>
+                  <a:schemeClr val="accent1">
+                    <a:lumMod val="75000"/>
+                  </a:schemeClr>
+                </a:solidFill>
+              </a:rPr>
+              <a:t>Faster loading</a:t>
+            </a:r>
+            <a:endParaRPr lang="en-US" sz="2000" dirty="0">
+              <a:solidFill>
+                <a:schemeClr val="accent1">
+                  <a:lumMod val="75000"/>
+                </a:schemeClr>
+              </a:solidFill>
+            </a:endParaRPr>
+          </a:p>
+        </p:txBody>
+      </p:sp>
+      <p:sp>
+        <p:nvSpPr>
+          <p:cNvPr id="78" name="Rounded Rectangle 77"/>
+          <p:cNvSpPr/>
+          <p:nvPr/>
+        </p:nvSpPr>
+        <p:spPr>
+          <a:xfrm>
+            <a:off x="228881" y="911722"/>
+            <a:ext cx="3390944" cy="1358879"/>
+          </a:xfrm>
+          <a:prstGeom prst="roundRect">
+            <a:avLst>
+              <a:gd name="adj" fmla="val 5669"/>
+            </a:avLst>
+          </a:prstGeom>
+          <a:solidFill>
+            <a:schemeClr val="bg1"/>
+          </a:solidFill>
+        </p:spPr>
+        <p:style>
+          <a:lnRef idx="2">
+            <a:schemeClr val="accent1">
+              <a:shade val="50000"/>
+            </a:schemeClr>
+          </a:lnRef>
+          <a:fillRef idx="1">
+            <a:schemeClr val="accent1"/>
+          </a:fillRef>
+          <a:effectRef idx="0">
+            <a:schemeClr val="accent1"/>
+          </a:effectRef>
+          <a:fontRef idx="minor">
+            <a:schemeClr val="lt1"/>
+          </a:fontRef>
+        </p:style>
+        <p:txBody>
+          <a:bodyPr rtlCol="0" anchor="t"/>
+          <a:lstStyle/>
+          <a:p>
+            <a:r>
+              <a:rPr lang="en-US" sz="2000" dirty="0" smtClean="0">
+                <a:solidFill>
+                  <a:schemeClr val="accent1">
+                    <a:lumMod val="75000"/>
+                  </a:schemeClr>
+                </a:solidFill>
+              </a:rPr>
+              <a:t>Server</a:t>
+            </a:r>
+            <a:endParaRPr lang="en-US" sz="2000" dirty="0" smtClean="0"/>
+          </a:p>
+          <a:p>
+            <a:pPr marL="342900" indent="-342900">
+              <a:buFontTx/>
+              <a:buChar char="-"/>
+            </a:pPr>
+            <a:r>
+              <a:rPr lang="en-US" sz="2000" dirty="0" smtClean="0">
+                <a:solidFill>
+                  <a:schemeClr val="accent1">
+                    <a:lumMod val="75000"/>
+                  </a:schemeClr>
+                </a:solidFill>
+              </a:rPr>
+              <a:t>No special code in website</a:t>
+            </a:r>
+          </a:p>
+          <a:p>
+            <a:pPr marL="342900" indent="-342900">
+              <a:buFontTx/>
+              <a:buChar char="-"/>
+            </a:pPr>
+            <a:r>
+              <a:rPr lang="en-US" sz="2000" dirty="0" smtClean="0">
+                <a:solidFill>
+                  <a:schemeClr val="accent1">
+                    <a:lumMod val="75000"/>
+                  </a:schemeClr>
+                </a:solidFill>
+              </a:rPr>
+              <a:t>Save money on hosting</a:t>
+            </a:r>
+          </a:p>
+          <a:p>
+            <a:pPr marL="342900" indent="-342900">
+              <a:buFontTx/>
+              <a:buChar char="-"/>
+            </a:pPr>
+            <a:r>
+              <a:rPr lang="en-US" sz="2000" dirty="0" smtClean="0">
+                <a:solidFill>
+                  <a:schemeClr val="accent1">
+                    <a:lumMod val="75000"/>
+                  </a:schemeClr>
+                </a:solidFill>
+              </a:rPr>
+              <a:t>Server easy to install</a:t>
+            </a:r>
+          </a:p>
+        </p:txBody>
+      </p:sp>
+      <p:cxnSp>
+        <p:nvCxnSpPr>
+          <p:cNvPr id="73" name="Straight Arrow Connector 72"/>
+          <p:cNvCxnSpPr>
+            <a:stCxn id="78" idx="3"/>
+          </p:cNvCxnSpPr>
+          <p:nvPr/>
+        </p:nvCxnSpPr>
+        <p:spPr>
+          <a:xfrm>
+            <a:off x="3619825" y="1591162"/>
+            <a:ext cx="1815587" cy="0"/>
+          </a:xfrm>
+          <a:prstGeom prst="straightConnector1">
+            <a:avLst/>
+          </a:prstGeom>
+          <a:ln>
+            <a:tailEnd type="triangle"/>
+          </a:ln>
+        </p:spPr>
+        <p:style>
+          <a:lnRef idx="1">
+            <a:schemeClr val="accent1"/>
+          </a:lnRef>
+          <a:fillRef idx="0">
+            <a:schemeClr val="accent1"/>
+          </a:fillRef>
+          <a:effectRef idx="0">
+            <a:schemeClr val="accent1"/>
+          </a:effectRef>
+          <a:fontRef idx="minor">
+            <a:schemeClr val="tx1"/>
+          </a:fontRef>
+        </p:style>
+      </p:cxnSp>
+      <p:cxnSp>
+        <p:nvCxnSpPr>
+          <p:cNvPr id="76" name="Straight Arrow Connector 75"/>
+          <p:cNvCxnSpPr>
+            <a:stCxn id="77" idx="2"/>
+          </p:cNvCxnSpPr>
+          <p:nvPr/>
+        </p:nvCxnSpPr>
+        <p:spPr>
+          <a:xfrm flipH="1">
+            <a:off x="9282223" y="2381103"/>
+            <a:ext cx="1147752" cy="1025077"/>
+          </a:xfrm>
+          <a:prstGeom prst="straightConnector1">
+            <a:avLst/>
+          </a:prstGeom>
+          <a:ln>
+            <a:tailEnd type="triangle"/>
+          </a:ln>
+        </p:spPr>
+        <p:style>
+          <a:lnRef idx="1">
+            <a:schemeClr val="accent1"/>
+          </a:lnRef>
+          <a:fillRef idx="0">
+            <a:schemeClr val="accent1"/>
+          </a:fillRef>
+          <a:effectRef idx="0">
+            <a:schemeClr val="accent1"/>
+          </a:effectRef>
+          <a:fontRef idx="minor">
+            <a:schemeClr val="tx1"/>
+          </a:fontRef>
+        </p:style>
+      </p:cxnSp>
     </p:spTree>
     <p:extLst>
       <p:ext uri="{BB962C8B-B14F-4D97-AF65-F5344CB8AC3E}">
         <p14:creationId xmlns:p14="http://schemas.microsoft.com/office/powerpoint/2010/main" val="2363026897"/>
+      </p:ext>
+    </p:extLst>
+  </p:cSld>
+  <p:clrMapOvr>
+    <a:masterClrMapping/>
+  </p:clrMapOvr>
+  <p:timing>
+    <p:tnLst>
+      <p:par>
+        <p:cTn id="1" dur="indefinite" restart="never" nodeType="tmRoot"/>
+      </p:par>
+    </p:tnLst>
+  </p:timing>
+</p:sld>
+</file>
+
+<file path=ppt/slides/slide5.xml><?xml version="1.0" encoding="utf-8"?>
+<p:sld xmlns:a="http://schemas.openxmlformats.org/drawingml/2006/main" xmlns:r="http://schemas.openxmlformats.org/officeDocument/2006/relationships" xmlns:p="http://schemas.openxmlformats.org/presentationml/2006/main">
+  <p:cSld>
+    <p:spTree>
+      <p:nvGrpSpPr>
+        <p:cNvPr id="1" name=""/>
+        <p:cNvGrpSpPr/>
+        <p:nvPr/>
+      </p:nvGrpSpPr>
+      <p:grpSpPr>
+        <a:xfrm>
+          <a:off x="0" y="0"/>
+          <a:ext cx="0" cy="0"/>
+          <a:chOff x="0" y="0"/>
+          <a:chExt cx="0" cy="0"/>
+        </a:xfrm>
+      </p:grpSpPr>
+      <p:sp>
+        <p:nvSpPr>
+          <p:cNvPr id="3" name="TextBox 2"/>
+          <p:cNvSpPr txBox="1"/>
+          <p:nvPr/>
+        </p:nvSpPr>
+        <p:spPr>
+          <a:xfrm>
+            <a:off x="2964505" y="-67565"/>
+            <a:ext cx="6262997" cy="923330"/>
+          </a:xfrm>
+          <a:prstGeom prst="rect">
+            <a:avLst/>
+          </a:prstGeom>
+          <a:noFill/>
+        </p:spPr>
+        <p:txBody>
+          <a:bodyPr wrap="none" rtlCol="0">
+            <a:spAutoFit/>
+          </a:bodyPr>
+          <a:lstStyle/>
+          <a:p>
+            <a:pPr algn="ctr"/>
+            <a:r>
+              <a:rPr lang="en-US" sz="5400" dirty="0" smtClean="0">
+                <a:solidFill>
+                  <a:schemeClr val="accent1">
+                    <a:lumMod val="75000"/>
+                  </a:schemeClr>
+                </a:solidFill>
+              </a:rPr>
+              <a:t>Impacts on the World</a:t>
+            </a:r>
+            <a:endParaRPr lang="en-US" sz="5400" dirty="0">
+              <a:solidFill>
+                <a:schemeClr val="accent1">
+                  <a:lumMod val="75000"/>
+                </a:schemeClr>
+              </a:solidFill>
+            </a:endParaRPr>
+          </a:p>
+        </p:txBody>
+      </p:sp>
+      <p:pic>
+        <p:nvPicPr>
+          <p:cNvPr id="4" name="Picture 3"/>
+          <p:cNvPicPr>
+            <a:picLocks noChangeAspect="1"/>
+          </p:cNvPicPr>
+          <p:nvPr/>
+        </p:nvPicPr>
+        <p:blipFill>
+          <a:blip r:embed="rId2" cstate="print">
+            <a:extLst>
+              <a:ext uri="{28A0092B-C50C-407E-A947-70E740481C1C}">
+                <a14:useLocalDpi xmlns:a14="http://schemas.microsoft.com/office/drawing/2010/main" val="0"/>
+              </a:ext>
+            </a:extLst>
+          </a:blip>
+          <a:stretch>
+            <a:fillRect/>
+          </a:stretch>
+        </p:blipFill>
+        <p:spPr>
+          <a:xfrm>
+            <a:off x="9615055" y="6153511"/>
+            <a:ext cx="2576945" cy="704489"/>
+          </a:xfrm>
+          <a:prstGeom prst="rect">
+            <a:avLst/>
+          </a:prstGeom>
+        </p:spPr>
+      </p:pic>
+      <p:grpSp>
+        <p:nvGrpSpPr>
+          <p:cNvPr id="8" name="Group 7"/>
+          <p:cNvGrpSpPr/>
+          <p:nvPr/>
+        </p:nvGrpSpPr>
+        <p:grpSpPr>
+          <a:xfrm>
+            <a:off x="612566" y="448064"/>
+            <a:ext cx="11091070" cy="5414179"/>
+            <a:chOff x="495107" y="448064"/>
+            <a:chExt cx="11091070" cy="5414179"/>
+          </a:xfrm>
+        </p:grpSpPr>
+        <p:sp>
+          <p:nvSpPr>
+            <p:cNvPr id="2" name="TextBox 1"/>
+            <p:cNvSpPr txBox="1"/>
+            <p:nvPr/>
+          </p:nvSpPr>
+          <p:spPr>
+            <a:xfrm>
+              <a:off x="3605338" y="4571148"/>
+              <a:ext cx="7711791" cy="523220"/>
+            </a:xfrm>
+            <a:prstGeom prst="rect">
+              <a:avLst/>
+            </a:prstGeom>
+            <a:noFill/>
+          </p:spPr>
+          <p:txBody>
+            <a:bodyPr wrap="none" rtlCol="0">
+              <a:spAutoFit/>
+            </a:bodyPr>
+            <a:lstStyle/>
+            <a:p>
+              <a:r>
+                <a:rPr lang="en-US" sz="2800" b="1" dirty="0" smtClean="0"/>
+                <a:t>Empowers</a:t>
+              </a:r>
+              <a:r>
+                <a:rPr lang="en-US" sz="2800" dirty="0" smtClean="0"/>
+                <a:t> small businesses, students, and creators </a:t>
+              </a:r>
+            </a:p>
+          </p:txBody>
+        </p:sp>
+        <p:pic>
+          <p:nvPicPr>
+            <p:cNvPr id="2050" name="Picture 2" descr="https://static.thenounproject.com/png/410105-200.png"/>
+            <p:cNvPicPr>
+              <a:picLocks noChangeAspect="1" noChangeArrowheads="1"/>
+            </p:cNvPicPr>
+            <p:nvPr/>
+          </p:nvPicPr>
+          <p:blipFill>
+            <a:blip r:embed="rId3">
+              <a:extLst>
+                <a:ext uri="{28A0092B-C50C-407E-A947-70E740481C1C}">
+                  <a14:useLocalDpi xmlns:a14="http://schemas.microsoft.com/office/drawing/2010/main" val="0"/>
+                </a:ext>
+              </a:extLst>
+            </a:blip>
+            <a:srcRect/>
+            <a:stretch>
+              <a:fillRect/>
+            </a:stretch>
+          </p:blipFill>
+          <p:spPr bwMode="auto">
+            <a:xfrm>
+              <a:off x="495107" y="448064"/>
+              <a:ext cx="2801240" cy="2801240"/>
+            </a:xfrm>
+            <a:prstGeom prst="rect">
+              <a:avLst/>
+            </a:prstGeom>
+            <a:noFill/>
+            <a:extLst>
+              <a:ext uri="{909E8E84-426E-40DD-AFC4-6F175D3DCCD1}">
+                <a14:hiddenFill xmlns:a14="http://schemas.microsoft.com/office/drawing/2010/main">
+                  <a:solidFill>
+                    <a:srgbClr val="FFFFFF"/>
+                  </a:solidFill>
+                </a14:hiddenFill>
+              </a:ext>
+            </a:extLst>
+          </p:spPr>
+        </p:pic>
+        <p:pic>
+          <p:nvPicPr>
+            <p:cNvPr id="2052" name="Picture 4" descr="Image result for empowerment icon"/>
+            <p:cNvPicPr>
+              <a:picLocks noChangeAspect="1" noChangeArrowheads="1"/>
+            </p:cNvPicPr>
+            <p:nvPr/>
+          </p:nvPicPr>
+          <p:blipFill>
+            <a:blip r:embed="rId4">
+              <a:extLst>
+                <a:ext uri="{28A0092B-C50C-407E-A947-70E740481C1C}">
+                  <a14:useLocalDpi xmlns:a14="http://schemas.microsoft.com/office/drawing/2010/main" val="0"/>
+                </a:ext>
+              </a:extLst>
+            </a:blip>
+            <a:srcRect/>
+            <a:stretch>
+              <a:fillRect/>
+            </a:stretch>
+          </p:blipFill>
+          <p:spPr bwMode="auto">
+            <a:xfrm>
+              <a:off x="739656" y="3803274"/>
+              <a:ext cx="2058969" cy="2058969"/>
+            </a:xfrm>
+            <a:prstGeom prst="rect">
+              <a:avLst/>
+            </a:prstGeom>
+            <a:noFill/>
+            <a:extLst>
+              <a:ext uri="{909E8E84-426E-40DD-AFC4-6F175D3DCCD1}">
+                <a14:hiddenFill xmlns:a14="http://schemas.microsoft.com/office/drawing/2010/main">
+                  <a:solidFill>
+                    <a:srgbClr val="FFFFFF"/>
+                  </a:solidFill>
+                </a14:hiddenFill>
+              </a:ext>
+            </a:extLst>
+          </p:spPr>
+        </p:pic>
+        <p:sp>
+          <p:nvSpPr>
+            <p:cNvPr id="5" name="TextBox 4"/>
+            <p:cNvSpPr txBox="1"/>
+            <p:nvPr/>
+          </p:nvSpPr>
+          <p:spPr>
+            <a:xfrm>
+              <a:off x="3605338" y="1584606"/>
+              <a:ext cx="7980839" cy="523220"/>
+            </a:xfrm>
+            <a:prstGeom prst="rect">
+              <a:avLst/>
+            </a:prstGeom>
+            <a:noFill/>
+          </p:spPr>
+          <p:txBody>
+            <a:bodyPr wrap="none" rtlCol="0">
+              <a:spAutoFit/>
+            </a:bodyPr>
+            <a:lstStyle/>
+            <a:p>
+              <a:r>
+                <a:rPr lang="en-US" sz="2800" dirty="0" smtClean="0"/>
+                <a:t>Enables a more </a:t>
+              </a:r>
+              <a:r>
+                <a:rPr lang="en-US" sz="2800" b="1" dirty="0" smtClean="0"/>
+                <a:t>environmentally sustainable </a:t>
+              </a:r>
+              <a:r>
+                <a:rPr lang="en-US" sz="2800" dirty="0" smtClean="0"/>
+                <a:t>Internet</a:t>
+              </a:r>
+            </a:p>
+          </p:txBody>
+        </p:sp>
+      </p:grpSp>
+      <p:cxnSp>
+        <p:nvCxnSpPr>
+          <p:cNvPr id="7" name="Straight Connector 6"/>
+          <p:cNvCxnSpPr/>
+          <p:nvPr/>
+        </p:nvCxnSpPr>
+        <p:spPr>
+          <a:xfrm>
+            <a:off x="614916" y="3359887"/>
+            <a:ext cx="10962168" cy="0"/>
+          </a:xfrm>
+          <a:prstGeom prst="line">
+            <a:avLst/>
+          </a:prstGeom>
+        </p:spPr>
+        <p:style>
+          <a:lnRef idx="1">
+            <a:schemeClr val="accent1"/>
+          </a:lnRef>
+          <a:fillRef idx="0">
+            <a:schemeClr val="accent1"/>
+          </a:fillRef>
+          <a:effectRef idx="0">
+            <a:schemeClr val="accent1"/>
+          </a:effectRef>
+          <a:fontRef idx="minor">
+            <a:schemeClr val="tx1"/>
+          </a:fontRef>
+        </p:style>
+      </p:cxnSp>
+    </p:spTree>
+    <p:extLst>
+      <p:ext uri="{BB962C8B-B14F-4D97-AF65-F5344CB8AC3E}">
+        <p14:creationId xmlns:p14="http://schemas.microsoft.com/office/powerpoint/2010/main" val="1101402279"/>
+      </p:ext>
+    </p:extLst>
+  </p:cSld>
+  <p:clrMapOvr>
+    <a:masterClrMapping/>
+  </p:clrMapOvr>
+  <p:timing>
+    <p:tnLst>
+      <p:par>
+        <p:cTn id="1" dur="indefinite" restart="never" nodeType="tmRoot"/>
+      </p:par>
+    </p:tnLst>
+  </p:timing>
+</p:sld>
+</file>
+
+<file path=ppt/slides/slide6.xml><?xml version="1.0" encoding="utf-8"?>
+<p:sld xmlns:a="http://schemas.openxmlformats.org/drawingml/2006/main" xmlns:r="http://schemas.openxmlformats.org/officeDocument/2006/relationships" xmlns:p="http://schemas.openxmlformats.org/presentationml/2006/main">
+  <p:cSld>
+    <p:spTree>
+      <p:nvGrpSpPr>
+        <p:cNvPr id="1" name=""/>
+        <p:cNvGrpSpPr/>
+        <p:nvPr/>
+      </p:nvGrpSpPr>
+      <p:grpSpPr>
+        <a:xfrm>
+          <a:off x="0" y="0"/>
+          <a:ext cx="0" cy="0"/>
+          <a:chOff x="0" y="0"/>
+          <a:chExt cx="0" cy="0"/>
+        </a:xfrm>
+      </p:grpSpPr>
+      <p:sp>
+        <p:nvSpPr>
+          <p:cNvPr id="3" name="TextBox 2"/>
+          <p:cNvSpPr txBox="1"/>
+          <p:nvPr/>
+        </p:nvSpPr>
+        <p:spPr>
+          <a:xfrm>
+            <a:off x="4243442" y="-67565"/>
+            <a:ext cx="3705117" cy="923330"/>
+          </a:xfrm>
+          <a:prstGeom prst="rect">
+            <a:avLst/>
+          </a:prstGeom>
+          <a:noFill/>
+        </p:spPr>
+        <p:txBody>
+          <a:bodyPr wrap="none" rtlCol="0">
+            <a:spAutoFit/>
+          </a:bodyPr>
+          <a:lstStyle/>
+          <a:p>
+            <a:pPr algn="ctr"/>
+            <a:r>
+              <a:rPr lang="en-US" sz="5400" dirty="0" smtClean="0">
+                <a:solidFill>
+                  <a:schemeClr val="accent1">
+                    <a:lumMod val="75000"/>
+                  </a:schemeClr>
+                </a:solidFill>
+              </a:rPr>
+              <a:t>Future Work</a:t>
+            </a:r>
+            <a:endParaRPr lang="en-US" sz="5400" dirty="0">
+              <a:solidFill>
+                <a:schemeClr val="accent1">
+                  <a:lumMod val="75000"/>
+                </a:schemeClr>
+              </a:solidFill>
+            </a:endParaRPr>
+          </a:p>
+        </p:txBody>
+      </p:sp>
+      <p:pic>
+        <p:nvPicPr>
+          <p:cNvPr id="4" name="Picture 3"/>
+          <p:cNvPicPr>
+            <a:picLocks noChangeAspect="1"/>
+          </p:cNvPicPr>
+          <p:nvPr/>
+        </p:nvPicPr>
+        <p:blipFill>
+          <a:blip r:embed="rId2" cstate="print">
+            <a:extLst>
+              <a:ext uri="{28A0092B-C50C-407E-A947-70E740481C1C}">
+                <a14:useLocalDpi xmlns:a14="http://schemas.microsoft.com/office/drawing/2010/main" val="0"/>
+              </a:ext>
+            </a:extLst>
+          </a:blip>
+          <a:stretch>
+            <a:fillRect/>
+          </a:stretch>
+        </p:blipFill>
+        <p:spPr>
+          <a:xfrm>
+            <a:off x="9615055" y="6153511"/>
+            <a:ext cx="2576945" cy="704489"/>
+          </a:xfrm>
+          <a:prstGeom prst="rect">
+            <a:avLst/>
+          </a:prstGeom>
+        </p:spPr>
+      </p:pic>
+      <p:sp>
+        <p:nvSpPr>
+          <p:cNvPr id="5" name="TextBox 4"/>
+          <p:cNvSpPr txBox="1"/>
+          <p:nvPr/>
+        </p:nvSpPr>
+        <p:spPr>
+          <a:xfrm>
+            <a:off x="1201479" y="1899499"/>
+            <a:ext cx="3227550" cy="2585323"/>
+          </a:xfrm>
+          <a:prstGeom prst="rect">
+            <a:avLst/>
+          </a:prstGeom>
+          <a:noFill/>
+        </p:spPr>
+        <p:txBody>
+          <a:bodyPr wrap="none" rtlCol="0">
+            <a:spAutoFit/>
+          </a:bodyPr>
+          <a:lstStyle/>
+          <a:p>
+            <a:r>
+              <a:rPr lang="en-US" dirty="0" smtClean="0"/>
+              <a:t>Current Implementation:</a:t>
+            </a:r>
+          </a:p>
+          <a:p>
+            <a:pPr marL="285750" indent="-285750">
+              <a:buFont typeface="Arial" panose="020B0604020202020204" pitchFamily="34" charset="0"/>
+              <a:buChar char="•"/>
+            </a:pPr>
+            <a:r>
+              <a:rPr lang="en-US" dirty="0" smtClean="0"/>
+              <a:t>Websites</a:t>
+            </a:r>
+          </a:p>
+          <a:p>
+            <a:pPr marL="742950" lvl="1" indent="-285750">
+              <a:buFont typeface="Arial" panose="020B0604020202020204" pitchFamily="34" charset="0"/>
+              <a:buChar char="•"/>
+            </a:pPr>
+            <a:r>
+              <a:rPr lang="en-US" dirty="0" smtClean="0"/>
+              <a:t>React, Material Design</a:t>
+            </a:r>
+          </a:p>
+          <a:p>
+            <a:pPr marL="742950" lvl="1" indent="-285750">
+              <a:buFont typeface="Arial" panose="020B0604020202020204" pitchFamily="34" charset="0"/>
+              <a:buChar char="•"/>
+            </a:pPr>
+            <a:r>
+              <a:rPr lang="en-US" dirty="0" smtClean="0"/>
+              <a:t>Art Gallery</a:t>
+            </a:r>
+          </a:p>
+          <a:p>
+            <a:pPr marL="742950" lvl="1" indent="-285750">
+              <a:buFont typeface="Arial" panose="020B0604020202020204" pitchFamily="34" charset="0"/>
+              <a:buChar char="•"/>
+            </a:pPr>
+            <a:r>
+              <a:rPr lang="en-US" dirty="0" smtClean="0"/>
+              <a:t>Restaurant</a:t>
+            </a:r>
+          </a:p>
+          <a:p>
+            <a:pPr marL="285750" indent="-285750">
+              <a:buFont typeface="Arial" panose="020B0604020202020204" pitchFamily="34" charset="0"/>
+              <a:buChar char="•"/>
+            </a:pPr>
+            <a:r>
+              <a:rPr lang="en-US" dirty="0" smtClean="0"/>
+              <a:t>Server Software</a:t>
+            </a:r>
+          </a:p>
+          <a:p>
+            <a:pPr marL="742950" lvl="1" indent="-285750">
+              <a:buFont typeface="Arial" panose="020B0604020202020204" pitchFamily="34" charset="0"/>
+              <a:buChar char="•"/>
+            </a:pPr>
+            <a:r>
+              <a:rPr lang="en-US" dirty="0" smtClean="0"/>
+              <a:t>Python, </a:t>
+            </a:r>
+            <a:r>
+              <a:rPr lang="en-US" dirty="0" err="1" smtClean="0"/>
+              <a:t>asyncio</a:t>
+            </a:r>
+            <a:r>
+              <a:rPr lang="en-US" dirty="0" smtClean="0"/>
+              <a:t>, </a:t>
+            </a:r>
+            <a:r>
+              <a:rPr lang="en-US" dirty="0" err="1" smtClean="0"/>
+              <a:t>aiohttp</a:t>
+            </a:r>
+            <a:endParaRPr lang="en-US" dirty="0" smtClean="0"/>
+          </a:p>
+          <a:p>
+            <a:pPr marL="742950" lvl="1" indent="-285750">
+              <a:buFont typeface="Arial" panose="020B0604020202020204" pitchFamily="34" charset="0"/>
+              <a:buChar char="•"/>
+            </a:pPr>
+            <a:r>
+              <a:rPr lang="en-US" dirty="0" smtClean="0"/>
+              <a:t>Back-end file sync</a:t>
+            </a:r>
+          </a:p>
+          <a:p>
+            <a:pPr marL="742950" lvl="1" indent="-285750">
+              <a:buFont typeface="Arial" panose="020B0604020202020204" pitchFamily="34" charset="0"/>
+              <a:buChar char="•"/>
+            </a:pPr>
+            <a:r>
+              <a:rPr lang="en-US" dirty="0" smtClean="0"/>
+              <a:t>Seamless file redirection</a:t>
+            </a:r>
+          </a:p>
+        </p:txBody>
+      </p:sp>
+      <p:sp>
+        <p:nvSpPr>
+          <p:cNvPr id="6" name="TextBox 5"/>
+          <p:cNvSpPr txBox="1"/>
+          <p:nvPr/>
+        </p:nvSpPr>
+        <p:spPr>
+          <a:xfrm>
+            <a:off x="5584867" y="1991832"/>
+            <a:ext cx="5403274" cy="1754326"/>
+          </a:xfrm>
+          <a:prstGeom prst="rect">
+            <a:avLst/>
+          </a:prstGeom>
+          <a:noFill/>
+        </p:spPr>
+        <p:txBody>
+          <a:bodyPr wrap="none" rtlCol="0">
+            <a:spAutoFit/>
+          </a:bodyPr>
+          <a:lstStyle/>
+          <a:p>
+            <a:r>
+              <a:rPr lang="en-US" dirty="0" smtClean="0"/>
+              <a:t>Future work:</a:t>
+            </a:r>
+          </a:p>
+          <a:p>
+            <a:pPr marL="285750" indent="-285750">
+              <a:buFont typeface="Arial" panose="020B0604020202020204" pitchFamily="34" charset="0"/>
+              <a:buChar char="•"/>
+            </a:pPr>
+            <a:r>
+              <a:rPr lang="en-US" dirty="0"/>
+              <a:t>D</a:t>
+            </a:r>
+            <a:r>
+              <a:rPr lang="en-US" dirty="0" smtClean="0"/>
+              <a:t>ata integrity with cryptographic hashing</a:t>
+            </a:r>
+          </a:p>
+          <a:p>
+            <a:pPr marL="285750" indent="-285750">
+              <a:buFont typeface="Arial" panose="020B0604020202020204" pitchFamily="34" charset="0"/>
+              <a:buChar char="•"/>
+            </a:pPr>
+            <a:r>
+              <a:rPr lang="en-US" dirty="0" smtClean="0"/>
+              <a:t>File concurrency with timestamps</a:t>
+            </a:r>
+          </a:p>
+          <a:p>
+            <a:pPr marL="285750" indent="-285750">
+              <a:buFont typeface="Arial" panose="020B0604020202020204" pitchFamily="34" charset="0"/>
+              <a:buChar char="•"/>
+            </a:pPr>
+            <a:r>
+              <a:rPr lang="en-US" dirty="0" smtClean="0"/>
+              <a:t>Dynamic web content</a:t>
+            </a:r>
+          </a:p>
+          <a:p>
+            <a:pPr marL="285750" indent="-285750">
+              <a:buFont typeface="Arial" panose="020B0604020202020204" pitchFamily="34" charset="0"/>
+              <a:buChar char="•"/>
+            </a:pPr>
+            <a:r>
+              <a:rPr lang="en-US" dirty="0" smtClean="0"/>
+              <a:t>Per-file server redirection</a:t>
+            </a:r>
+          </a:p>
+          <a:p>
+            <a:pPr marL="285750" indent="-285750">
+              <a:buFont typeface="Arial" panose="020B0604020202020204" pitchFamily="34" charset="0"/>
+              <a:buChar char="•"/>
+            </a:pPr>
+            <a:r>
+              <a:rPr lang="en-US" dirty="0" smtClean="0"/>
+              <a:t>Back-end discovery and file distribution optimization</a:t>
+            </a:r>
+          </a:p>
+        </p:txBody>
+      </p:sp>
+    </p:spTree>
+    <p:extLst>
+      <p:ext uri="{BB962C8B-B14F-4D97-AF65-F5344CB8AC3E}">
+        <p14:creationId xmlns:p14="http://schemas.microsoft.com/office/powerpoint/2010/main" val="1274516193"/>
       </p:ext>
     </p:extLst>
   </p:cSld>

--- a/presentation.pptx
+++ b/presentation.pptx
@@ -6056,7 +6056,7 @@
         <p:spPr>
           <a:xfrm>
             <a:off x="1201479" y="1899499"/>
-            <a:ext cx="3227550" cy="2585323"/>
+            <a:ext cx="4324132" cy="2862322"/>
           </a:xfrm>
           <a:prstGeom prst="rect">
             <a:avLst/>
@@ -6154,7 +6154,7 @@
             </a:pPr>
             <a:r>
               <a:rPr lang="en-US" dirty="0" smtClean="0"/>
-              <a:t>Back-end file sync</a:t>
+              <a:t>Peer discovery</a:t>
             </a:r>
           </a:p>
           <a:p>
@@ -6164,6 +6164,21 @@
             </a:pPr>
             <a:r>
               <a:rPr lang="en-US" dirty="0" smtClean="0"/>
+              <a:t>Back-end file sync </a:t>
+            </a:r>
+            <a:r>
+              <a:rPr lang="en-US" smtClean="0"/>
+              <a:t>with compression</a:t>
+            </a:r>
+            <a:endParaRPr lang="en-US" dirty="0" smtClean="0"/>
+          </a:p>
+          <a:p>
+            <a:pPr marL="742950" lvl="1" indent="-285750">
+              <a:buFont typeface="Arial" panose="020B0604020202020204" pitchFamily="34" charset="0"/>
+              <a:buChar char="•"/>
+            </a:pPr>
+            <a:r>
+              <a:rPr lang="en-US" dirty="0" smtClean="0"/>
               <a:t>Seamless file redirection</a:t>
             </a:r>
           </a:p>
@@ -6178,7 +6193,7 @@
         <p:spPr>
           <a:xfrm>
             <a:off x="5584867" y="1991832"/>
-            <a:ext cx="5403274" cy="1754326"/>
+            <a:ext cx="5219634" cy="1754326"/>
           </a:xfrm>
           <a:prstGeom prst="rect">
             <a:avLst/>
@@ -6247,7 +6262,7 @@
             </a:pPr>
             <a:r>
               <a:rPr lang="en-US" dirty="0" smtClean="0"/>
-              <a:t>Back-end discovery and file distribution optimization</a:t>
+              <a:t>Peer connectivity and file distribution optimization</a:t>
             </a:r>
           </a:p>
         </p:txBody>

--- a/presentation.pptx
+++ b/presentation.pptx
@@ -6055,8 +6055,8 @@
         </p:nvSpPr>
         <p:spPr>
           <a:xfrm>
-            <a:off x="1201479" y="1899499"/>
-            <a:ext cx="4324132" cy="2862322"/>
+            <a:off x="691117" y="1185375"/>
+            <a:ext cx="4701415" cy="3170099"/>
           </a:xfrm>
           <a:prstGeom prst="rect">
             <a:avLst/>
@@ -6070,7 +6070,7 @@
           <a:lstStyle/>
           <a:p>
             <a:r>
-              <a:rPr lang="en-US" dirty="0" smtClean="0"/>
+              <a:rPr lang="en-US" sz="2000" dirty="0" smtClean="0"/>
               <a:t>Current Implementation:</a:t>
             </a:r>
           </a:p>
@@ -6080,7 +6080,7 @@
               <a:buChar char="•"/>
             </a:pPr>
             <a:r>
-              <a:rPr lang="en-US" dirty="0" smtClean="0"/>
+              <a:rPr lang="en-US" sz="2000" dirty="0" smtClean="0"/>
               <a:t>Websites</a:t>
             </a:r>
           </a:p>
@@ -6090,7 +6090,7 @@
               <a:buChar char="•"/>
             </a:pPr>
             <a:r>
-              <a:rPr lang="en-US" dirty="0" smtClean="0"/>
+              <a:rPr lang="en-US" sz="2000" dirty="0" smtClean="0"/>
               <a:t>React, Material Design</a:t>
             </a:r>
           </a:p>
@@ -6100,7 +6100,7 @@
               <a:buChar char="•"/>
             </a:pPr>
             <a:r>
-              <a:rPr lang="en-US" dirty="0" smtClean="0"/>
+              <a:rPr lang="en-US" sz="2000" dirty="0" smtClean="0"/>
               <a:t>Art Gallery</a:t>
             </a:r>
           </a:p>
@@ -6110,7 +6110,7 @@
               <a:buChar char="•"/>
             </a:pPr>
             <a:r>
-              <a:rPr lang="en-US" dirty="0" smtClean="0"/>
+              <a:rPr lang="en-US" sz="2000" dirty="0" smtClean="0"/>
               <a:t>Restaurant</a:t>
             </a:r>
           </a:p>
@@ -6120,7 +6120,7 @@
               <a:buChar char="•"/>
             </a:pPr>
             <a:r>
-              <a:rPr lang="en-US" dirty="0" smtClean="0"/>
+              <a:rPr lang="en-US" sz="2000" dirty="0" smtClean="0"/>
               <a:t>Server Software</a:t>
             </a:r>
           </a:p>
@@ -6130,22 +6130,22 @@
               <a:buChar char="•"/>
             </a:pPr>
             <a:r>
-              <a:rPr lang="en-US" dirty="0" smtClean="0"/>
+              <a:rPr lang="en-US" sz="2000" dirty="0" smtClean="0"/>
               <a:t>Python, </a:t>
             </a:r>
             <a:r>
-              <a:rPr lang="en-US" dirty="0" err="1" smtClean="0"/>
+              <a:rPr lang="en-US" sz="2000" dirty="0" err="1" smtClean="0"/>
               <a:t>asyncio</a:t>
             </a:r>
             <a:r>
-              <a:rPr lang="en-US" dirty="0" smtClean="0"/>
+              <a:rPr lang="en-US" sz="2000" dirty="0" smtClean="0"/>
               <a:t>, </a:t>
             </a:r>
             <a:r>
-              <a:rPr lang="en-US" dirty="0" err="1" smtClean="0"/>
+              <a:rPr lang="en-US" sz="2000" dirty="0" err="1" smtClean="0"/>
               <a:t>aiohttp</a:t>
             </a:r>
-            <a:endParaRPr lang="en-US" dirty="0" smtClean="0"/>
+            <a:endParaRPr lang="en-US" sz="2000" dirty="0" smtClean="0"/>
           </a:p>
           <a:p>
             <a:pPr marL="742950" lvl="1" indent="-285750">
@@ -6153,7 +6153,7 @@
               <a:buChar char="•"/>
             </a:pPr>
             <a:r>
-              <a:rPr lang="en-US" dirty="0" smtClean="0"/>
+              <a:rPr lang="en-US" sz="2000" dirty="0" smtClean="0"/>
               <a:t>Peer discovery</a:t>
             </a:r>
           </a:p>
@@ -6163,14 +6163,9 @@
               <a:buChar char="•"/>
             </a:pPr>
             <a:r>
-              <a:rPr lang="en-US" dirty="0" smtClean="0"/>
-              <a:t>Back-end file sync </a:t>
-            </a:r>
-            <a:r>
-              <a:rPr lang="en-US" smtClean="0"/>
-              <a:t>with compression</a:t>
-            </a:r>
-            <a:endParaRPr lang="en-US" dirty="0" smtClean="0"/>
+              <a:rPr lang="en-US" sz="2000" dirty="0" smtClean="0"/>
+              <a:t>Back-end file sync with compression</a:t>
+            </a:r>
           </a:p>
           <a:p>
             <a:pPr marL="742950" lvl="1" indent="-285750">
@@ -6178,7 +6173,7 @@
               <a:buChar char="•"/>
             </a:pPr>
             <a:r>
-              <a:rPr lang="en-US" dirty="0" smtClean="0"/>
+              <a:rPr lang="en-US" sz="2000" dirty="0" smtClean="0"/>
               <a:t>Seamless file redirection</a:t>
             </a:r>
           </a:p>
@@ -6192,8 +6187,8 @@
         </p:nvSpPr>
         <p:spPr>
           <a:xfrm>
-            <a:off x="5584867" y="1991832"/>
-            <a:ext cx="5219634" cy="1754326"/>
+            <a:off x="5694526" y="1188919"/>
+            <a:ext cx="5748433" cy="1938992"/>
           </a:xfrm>
           <a:prstGeom prst="rect">
             <a:avLst/>
@@ -6207,7 +6202,7 @@
           <a:lstStyle/>
           <a:p>
             <a:r>
-              <a:rPr lang="en-US" dirty="0" smtClean="0"/>
+              <a:rPr lang="en-US" sz="2000" dirty="0" smtClean="0"/>
               <a:t>Future work:</a:t>
             </a:r>
           </a:p>
@@ -6217,11 +6212,11 @@
               <a:buChar char="•"/>
             </a:pPr>
             <a:r>
-              <a:rPr lang="en-US" dirty="0"/>
+              <a:rPr lang="en-US" sz="2000" dirty="0"/>
               <a:t>D</a:t>
             </a:r>
             <a:r>
-              <a:rPr lang="en-US" dirty="0" smtClean="0"/>
+              <a:rPr lang="en-US" sz="2000" dirty="0" smtClean="0"/>
               <a:t>ata integrity with cryptographic hashing</a:t>
             </a:r>
           </a:p>
@@ -6231,7 +6226,7 @@
               <a:buChar char="•"/>
             </a:pPr>
             <a:r>
-              <a:rPr lang="en-US" dirty="0" smtClean="0"/>
+              <a:rPr lang="en-US" sz="2000" dirty="0" smtClean="0"/>
               <a:t>File concurrency with timestamps</a:t>
             </a:r>
           </a:p>
@@ -6241,7 +6236,7 @@
               <a:buChar char="•"/>
             </a:pPr>
             <a:r>
-              <a:rPr lang="en-US" dirty="0" smtClean="0"/>
+              <a:rPr lang="en-US" sz="2000" dirty="0" smtClean="0"/>
               <a:t>Dynamic web content</a:t>
             </a:r>
           </a:p>
@@ -6251,7 +6246,7 @@
               <a:buChar char="•"/>
             </a:pPr>
             <a:r>
-              <a:rPr lang="en-US" dirty="0" smtClean="0"/>
+              <a:rPr lang="en-US" sz="2000" dirty="0" smtClean="0"/>
               <a:t>Per-file server redirection</a:t>
             </a:r>
           </a:p>
@@ -6261,7 +6256,7 @@
               <a:buChar char="•"/>
             </a:pPr>
             <a:r>
-              <a:rPr lang="en-US" dirty="0" smtClean="0"/>
+              <a:rPr lang="en-US" sz="2000" dirty="0" smtClean="0"/>
               <a:t>Peer connectivity and file distribution optimization</a:t>
             </a:r>
           </a:p>
